--- a/design.pptx
+++ b/design.pptx
@@ -6,6 +6,8 @@
   </p:sldMasterIdLst>
   <p:sldIdLst>
     <p:sldId id="257" r:id="rId2"/>
+    <p:sldId id="258" r:id="rId3"/>
+    <p:sldId id="259" r:id="rId4"/>
   </p:sldIdLst>
   <p:sldSz cx="12192000" cy="6858000"/>
   <p:notesSz cx="6858000" cy="9144000"/>
@@ -104,6 +106,11 @@
       </a:defRPr>
     </a:lvl9pPr>
   </p:defaultTextStyle>
+  <p:extLst>
+    <p:ext uri="{EFAFB233-063F-42B5-8137-9DF3F51BA10A}">
+      <p15:sldGuideLst xmlns:p15="http://schemas.microsoft.com/office/powerpoint/2012/main"/>
+    </p:ext>
+  </p:extLst>
 </p:presentation>
 </file>
 
@@ -256,7 +263,7 @@
           <a:p>
             <a:fld id="{7110F56C-E8BD-8745-BF49-DD3CA30D8EB6}" type="datetimeFigureOut">
               <a:rPr lang="en-US" smtClean="0"/>
-              <a:t>4/29/24</a:t>
+              <a:t>5/3/24</a:t>
             </a:fld>
             <a:endParaRPr lang="en-US"/>
           </a:p>
@@ -456,7 +463,7 @@
           <a:p>
             <a:fld id="{7110F56C-E8BD-8745-BF49-DD3CA30D8EB6}" type="datetimeFigureOut">
               <a:rPr lang="en-US" smtClean="0"/>
-              <a:t>4/29/24</a:t>
+              <a:t>5/3/24</a:t>
             </a:fld>
             <a:endParaRPr lang="en-US"/>
           </a:p>
@@ -666,7 +673,7 @@
           <a:p>
             <a:fld id="{7110F56C-E8BD-8745-BF49-DD3CA30D8EB6}" type="datetimeFigureOut">
               <a:rPr lang="en-US" smtClean="0"/>
-              <a:t>4/29/24</a:t>
+              <a:t>5/3/24</a:t>
             </a:fld>
             <a:endParaRPr lang="en-US"/>
           </a:p>
@@ -866,7 +873,7 @@
           <a:p>
             <a:fld id="{7110F56C-E8BD-8745-BF49-DD3CA30D8EB6}" type="datetimeFigureOut">
               <a:rPr lang="en-US" smtClean="0"/>
-              <a:t>4/29/24</a:t>
+              <a:t>5/3/24</a:t>
             </a:fld>
             <a:endParaRPr lang="en-US"/>
           </a:p>
@@ -1142,7 +1149,7 @@
           <a:p>
             <a:fld id="{7110F56C-E8BD-8745-BF49-DD3CA30D8EB6}" type="datetimeFigureOut">
               <a:rPr lang="en-US" smtClean="0"/>
-              <a:t>4/29/24</a:t>
+              <a:t>5/3/24</a:t>
             </a:fld>
             <a:endParaRPr lang="en-US"/>
           </a:p>
@@ -1410,7 +1417,7 @@
           <a:p>
             <a:fld id="{7110F56C-E8BD-8745-BF49-DD3CA30D8EB6}" type="datetimeFigureOut">
               <a:rPr lang="en-US" smtClean="0"/>
-              <a:t>4/29/24</a:t>
+              <a:t>5/3/24</a:t>
             </a:fld>
             <a:endParaRPr lang="en-US"/>
           </a:p>
@@ -1825,7 +1832,7 @@
           <a:p>
             <a:fld id="{7110F56C-E8BD-8745-BF49-DD3CA30D8EB6}" type="datetimeFigureOut">
               <a:rPr lang="en-US" smtClean="0"/>
-              <a:t>4/29/24</a:t>
+              <a:t>5/3/24</a:t>
             </a:fld>
             <a:endParaRPr lang="en-US"/>
           </a:p>
@@ -1967,7 +1974,7 @@
           <a:p>
             <a:fld id="{7110F56C-E8BD-8745-BF49-DD3CA30D8EB6}" type="datetimeFigureOut">
               <a:rPr lang="en-US" smtClean="0"/>
-              <a:t>4/29/24</a:t>
+              <a:t>5/3/24</a:t>
             </a:fld>
             <a:endParaRPr lang="en-US"/>
           </a:p>
@@ -2080,7 +2087,7 @@
           <a:p>
             <a:fld id="{7110F56C-E8BD-8745-BF49-DD3CA30D8EB6}" type="datetimeFigureOut">
               <a:rPr lang="en-US" smtClean="0"/>
-              <a:t>4/29/24</a:t>
+              <a:t>5/3/24</a:t>
             </a:fld>
             <a:endParaRPr lang="en-US"/>
           </a:p>
@@ -2393,7 +2400,7 @@
           <a:p>
             <a:fld id="{7110F56C-E8BD-8745-BF49-DD3CA30D8EB6}" type="datetimeFigureOut">
               <a:rPr lang="en-US" smtClean="0"/>
-              <a:t>4/29/24</a:t>
+              <a:t>5/3/24</a:t>
             </a:fld>
             <a:endParaRPr lang="en-US"/>
           </a:p>
@@ -2682,7 +2689,7 @@
           <a:p>
             <a:fld id="{7110F56C-E8BD-8745-BF49-DD3CA30D8EB6}" type="datetimeFigureOut">
               <a:rPr lang="en-US" smtClean="0"/>
-              <a:t>4/29/24</a:t>
+              <a:t>5/3/24</a:t>
             </a:fld>
             <a:endParaRPr lang="en-US"/>
           </a:p>
@@ -2925,7 +2932,7 @@
           <a:p>
             <a:fld id="{7110F56C-E8BD-8745-BF49-DD3CA30D8EB6}" type="datetimeFigureOut">
               <a:rPr lang="en-US" smtClean="0"/>
-              <a:t>4/29/24</a:t>
+              <a:t>5/3/24</a:t>
             </a:fld>
             <a:endParaRPr lang="en-US"/>
           </a:p>
@@ -7162,6 +7169,602 @@
 </p:sld>
 </file>
 
+<file path=ppt/slides/slide2.xml><?xml version="1.0" encoding="utf-8"?>
+<p:sld xmlns:a="http://schemas.openxmlformats.org/drawingml/2006/main" xmlns:r="http://schemas.openxmlformats.org/officeDocument/2006/relationships" xmlns:p="http://schemas.openxmlformats.org/presentationml/2006/main">
+  <p:cSld>
+    <p:spTree>
+      <p:nvGrpSpPr>
+        <p:cNvPr id="1" name=""/>
+        <p:cNvGrpSpPr/>
+        <p:nvPr/>
+      </p:nvGrpSpPr>
+      <p:grpSpPr>
+        <a:xfrm>
+          <a:off x="0" y="0"/>
+          <a:ext cx="0" cy="0"/>
+          <a:chOff x="0" y="0"/>
+          <a:chExt cx="0" cy="0"/>
+        </a:xfrm>
+      </p:grpSpPr>
+      <p:pic>
+        <p:nvPicPr>
+          <p:cNvPr id="4" name="Picture 3">
+            <a:extLst>
+              <a:ext uri="{FF2B5EF4-FFF2-40B4-BE49-F238E27FC236}">
+                <a16:creationId xmlns:a16="http://schemas.microsoft.com/office/drawing/2014/main" id="{45FE53DF-9C1A-76F3-0B6A-1D11CB042125}"/>
+              </a:ext>
+            </a:extLst>
+          </p:cNvPr>
+          <p:cNvPicPr>
+            <a:picLocks noChangeAspect="1"/>
+          </p:cNvPicPr>
+          <p:nvPr/>
+        </p:nvPicPr>
+        <p:blipFill>
+          <a:blip r:embed="rId2"/>
+          <a:stretch>
+            <a:fillRect/>
+          </a:stretch>
+        </p:blipFill>
+        <p:spPr>
+          <a:xfrm>
+            <a:off x="612228" y="477697"/>
+            <a:ext cx="10589784" cy="4462164"/>
+          </a:xfrm>
+          <a:prstGeom prst="rect">
+            <a:avLst/>
+          </a:prstGeom>
+        </p:spPr>
+      </p:pic>
+      <p:sp>
+        <p:nvSpPr>
+          <p:cNvPr id="5" name="Rectangle 4">
+            <a:extLst>
+              <a:ext uri="{FF2B5EF4-FFF2-40B4-BE49-F238E27FC236}">
+                <a16:creationId xmlns:a16="http://schemas.microsoft.com/office/drawing/2014/main" id="{4E8DB5BF-AB7C-E787-8DD1-26FDD1108070}"/>
+              </a:ext>
+            </a:extLst>
+          </p:cNvPr>
+          <p:cNvSpPr/>
+          <p:nvPr/>
+        </p:nvSpPr>
+        <p:spPr>
+          <a:xfrm>
+            <a:off x="612227" y="477697"/>
+            <a:ext cx="8247993" cy="2528261"/>
+          </a:xfrm>
+          <a:prstGeom prst="rect">
+            <a:avLst/>
+          </a:prstGeom>
+          <a:noFill/>
+          <a:ln w="12700">
+            <a:solidFill>
+              <a:schemeClr val="bg1">
+                <a:lumMod val="50000"/>
+              </a:schemeClr>
+            </a:solidFill>
+            <a:prstDash val="sysDash"/>
+          </a:ln>
+        </p:spPr>
+        <p:style>
+          <a:lnRef idx="2">
+            <a:schemeClr val="accent1">
+              <a:shade val="15000"/>
+            </a:schemeClr>
+          </a:lnRef>
+          <a:fillRef idx="1">
+            <a:schemeClr val="accent1"/>
+          </a:fillRef>
+          <a:effectRef idx="0">
+            <a:schemeClr val="accent1"/>
+          </a:effectRef>
+          <a:fontRef idx="minor">
+            <a:schemeClr val="lt1"/>
+          </a:fontRef>
+        </p:style>
+        <p:txBody>
+          <a:bodyPr rtlCol="0" anchor="ctr"/>
+          <a:lstStyle/>
+          <a:p>
+            <a:pPr algn="ctr"/>
+            <a:endParaRPr lang="en-US"/>
+          </a:p>
+        </p:txBody>
+      </p:sp>
+      <p:sp>
+        <p:nvSpPr>
+          <p:cNvPr id="6" name="TextBox 5">
+            <a:extLst>
+              <a:ext uri="{FF2B5EF4-FFF2-40B4-BE49-F238E27FC236}">
+                <a16:creationId xmlns:a16="http://schemas.microsoft.com/office/drawing/2014/main" id="{C9B24FE2-6100-968C-B4FE-CF00DA4A867D}"/>
+              </a:ext>
+            </a:extLst>
+          </p:cNvPr>
+          <p:cNvSpPr txBox="1"/>
+          <p:nvPr/>
+        </p:nvSpPr>
+        <p:spPr>
+          <a:xfrm>
+            <a:off x="7509439" y="1495607"/>
+            <a:ext cx="1619099" cy="246221"/>
+          </a:xfrm>
+          <a:prstGeom prst="rect">
+            <a:avLst/>
+          </a:prstGeom>
+          <a:noFill/>
+        </p:spPr>
+        <p:txBody>
+          <a:bodyPr wrap="square">
+            <a:spAutoFit/>
+          </a:bodyPr>
+          <a:lstStyle/>
+          <a:p>
+            <a:r>
+              <a:rPr lang="en-US" sz="1000" b="1" dirty="0">
+                <a:solidFill>
+                  <a:srgbClr val="FF0000"/>
+                </a:solidFill>
+                <a:cs typeface="Arial" panose="020B0604020202020204" pitchFamily="34" charset="0"/>
+              </a:rPr>
+              <a:t>Via KnowledgeBase Tool</a:t>
+            </a:r>
+            <a:endParaRPr lang="en-US" sz="1000" b="1" dirty="0">
+              <a:solidFill>
+                <a:srgbClr val="FF0000"/>
+              </a:solidFill>
+            </a:endParaRPr>
+          </a:p>
+        </p:txBody>
+      </p:sp>
+      <p:sp>
+        <p:nvSpPr>
+          <p:cNvPr id="8" name="Rectangle 7">
+            <a:extLst>
+              <a:ext uri="{FF2B5EF4-FFF2-40B4-BE49-F238E27FC236}">
+                <a16:creationId xmlns:a16="http://schemas.microsoft.com/office/drawing/2014/main" id="{92C0AEFB-762B-1917-73B0-63983D1E5903}"/>
+              </a:ext>
+            </a:extLst>
+          </p:cNvPr>
+          <p:cNvSpPr/>
+          <p:nvPr/>
+        </p:nvSpPr>
+        <p:spPr>
+          <a:xfrm>
+            <a:off x="612227" y="3043665"/>
+            <a:ext cx="8247993" cy="2528261"/>
+          </a:xfrm>
+          <a:prstGeom prst="rect">
+            <a:avLst/>
+          </a:prstGeom>
+          <a:noFill/>
+          <a:ln w="12700">
+            <a:solidFill>
+              <a:schemeClr val="bg1">
+                <a:lumMod val="50000"/>
+              </a:schemeClr>
+            </a:solidFill>
+            <a:prstDash val="sysDash"/>
+          </a:ln>
+        </p:spPr>
+        <p:style>
+          <a:lnRef idx="2">
+            <a:schemeClr val="accent1">
+              <a:shade val="15000"/>
+            </a:schemeClr>
+          </a:lnRef>
+          <a:fillRef idx="1">
+            <a:schemeClr val="accent1"/>
+          </a:fillRef>
+          <a:effectRef idx="0">
+            <a:schemeClr val="accent1"/>
+          </a:effectRef>
+          <a:fontRef idx="minor">
+            <a:schemeClr val="lt1"/>
+          </a:fontRef>
+        </p:style>
+        <p:txBody>
+          <a:bodyPr rtlCol="0" anchor="ctr"/>
+          <a:lstStyle/>
+          <a:p>
+            <a:pPr algn="ctr"/>
+            <a:endParaRPr lang="en-US"/>
+          </a:p>
+        </p:txBody>
+      </p:sp>
+      <p:sp>
+        <p:nvSpPr>
+          <p:cNvPr id="9" name="TextBox 8">
+            <a:extLst>
+              <a:ext uri="{FF2B5EF4-FFF2-40B4-BE49-F238E27FC236}">
+                <a16:creationId xmlns:a16="http://schemas.microsoft.com/office/drawing/2014/main" id="{1AF2EC8B-2148-38B2-7AC6-8561C7473754}"/>
+              </a:ext>
+            </a:extLst>
+          </p:cNvPr>
+          <p:cNvSpPr txBox="1"/>
+          <p:nvPr/>
+        </p:nvSpPr>
+        <p:spPr>
+          <a:xfrm>
+            <a:off x="7525508" y="4061574"/>
+            <a:ext cx="1619099" cy="246221"/>
+          </a:xfrm>
+          <a:prstGeom prst="rect">
+            <a:avLst/>
+          </a:prstGeom>
+          <a:noFill/>
+        </p:spPr>
+        <p:txBody>
+          <a:bodyPr wrap="square">
+            <a:spAutoFit/>
+          </a:bodyPr>
+          <a:lstStyle/>
+          <a:p>
+            <a:r>
+              <a:rPr lang="en-US" sz="1000" b="1" dirty="0">
+                <a:solidFill>
+                  <a:srgbClr val="FF0000"/>
+                </a:solidFill>
+                <a:cs typeface="Arial" panose="020B0604020202020204" pitchFamily="34" charset="0"/>
+              </a:rPr>
+              <a:t>Via Search Tool</a:t>
+            </a:r>
+            <a:endParaRPr lang="en-US" sz="1000" b="1" dirty="0">
+              <a:solidFill>
+                <a:srgbClr val="FF0000"/>
+              </a:solidFill>
+            </a:endParaRPr>
+          </a:p>
+        </p:txBody>
+      </p:sp>
+      <p:pic>
+        <p:nvPicPr>
+          <p:cNvPr id="10" name="Picture 9">
+            <a:extLst>
+              <a:ext uri="{FF2B5EF4-FFF2-40B4-BE49-F238E27FC236}">
+                <a16:creationId xmlns:a16="http://schemas.microsoft.com/office/drawing/2014/main" id="{E8D8D771-047F-12B6-E1D3-DA25DBEC6171}"/>
+              </a:ext>
+            </a:extLst>
+          </p:cNvPr>
+          <p:cNvPicPr>
+            <a:picLocks noChangeAspect="1"/>
+          </p:cNvPicPr>
+          <p:nvPr/>
+        </p:nvPicPr>
+        <p:blipFill>
+          <a:blip r:embed="rId3"/>
+          <a:stretch>
+            <a:fillRect/>
+          </a:stretch>
+        </p:blipFill>
+        <p:spPr>
+          <a:xfrm>
+            <a:off x="10105847" y="744403"/>
+            <a:ext cx="1619099" cy="1748627"/>
+          </a:xfrm>
+          <a:prstGeom prst="rect">
+            <a:avLst/>
+          </a:prstGeom>
+        </p:spPr>
+      </p:pic>
+      <p:sp>
+        <p:nvSpPr>
+          <p:cNvPr id="11" name="Up-down Arrow 10">
+            <a:extLst>
+              <a:ext uri="{FF2B5EF4-FFF2-40B4-BE49-F238E27FC236}">
+                <a16:creationId xmlns:a16="http://schemas.microsoft.com/office/drawing/2014/main" id="{7F6194E9-77F8-E82F-BA5B-427042FA1161}"/>
+              </a:ext>
+            </a:extLst>
+          </p:cNvPr>
+          <p:cNvSpPr/>
+          <p:nvPr/>
+        </p:nvSpPr>
+        <p:spPr>
+          <a:xfrm rot="5400000">
+            <a:off x="9347406" y="1406505"/>
+            <a:ext cx="334315" cy="1182566"/>
+          </a:xfrm>
+          <a:prstGeom prst="upDownArrow">
+            <a:avLst/>
+          </a:prstGeom>
+        </p:spPr>
+        <p:style>
+          <a:lnRef idx="2">
+            <a:schemeClr val="accent1">
+              <a:shade val="15000"/>
+            </a:schemeClr>
+          </a:lnRef>
+          <a:fillRef idx="1">
+            <a:schemeClr val="accent1"/>
+          </a:fillRef>
+          <a:effectRef idx="0">
+            <a:schemeClr val="accent1"/>
+          </a:effectRef>
+          <a:fontRef idx="minor">
+            <a:schemeClr val="lt1"/>
+          </a:fontRef>
+        </p:style>
+        <p:txBody>
+          <a:bodyPr rtlCol="0" anchor="ctr"/>
+          <a:lstStyle/>
+          <a:p>
+            <a:pPr algn="ctr"/>
+            <a:endParaRPr lang="en-US"/>
+          </a:p>
+        </p:txBody>
+      </p:sp>
+    </p:spTree>
+    <p:extLst>
+      <p:ext uri="{BB962C8B-B14F-4D97-AF65-F5344CB8AC3E}">
+        <p14:creationId xmlns:p14="http://schemas.microsoft.com/office/powerpoint/2010/main" val="1613721454"/>
+      </p:ext>
+    </p:extLst>
+  </p:cSld>
+  <p:clrMapOvr>
+    <a:masterClrMapping/>
+  </p:clrMapOvr>
+</p:sld>
+</file>
+
+<file path=ppt/slides/slide3.xml><?xml version="1.0" encoding="utf-8"?>
+<p:sld xmlns:a="http://schemas.openxmlformats.org/drawingml/2006/main" xmlns:r="http://schemas.openxmlformats.org/officeDocument/2006/relationships" xmlns:p="http://schemas.openxmlformats.org/presentationml/2006/main">
+  <p:cSld>
+    <p:spTree>
+      <p:nvGrpSpPr>
+        <p:cNvPr id="1" name=""/>
+        <p:cNvGrpSpPr/>
+        <p:nvPr/>
+      </p:nvGrpSpPr>
+      <p:grpSpPr>
+        <a:xfrm>
+          <a:off x="0" y="0"/>
+          <a:ext cx="0" cy="0"/>
+          <a:chOff x="0" y="0"/>
+          <a:chExt cx="0" cy="0"/>
+        </a:xfrm>
+      </p:grpSpPr>
+      <p:pic>
+        <p:nvPicPr>
+          <p:cNvPr id="4" name="Picture 3">
+            <a:extLst>
+              <a:ext uri="{FF2B5EF4-FFF2-40B4-BE49-F238E27FC236}">
+                <a16:creationId xmlns:a16="http://schemas.microsoft.com/office/drawing/2014/main" id="{07BAECAB-5C12-44D3-EDE5-E24CA2617DD4}"/>
+              </a:ext>
+            </a:extLst>
+          </p:cNvPr>
+          <p:cNvPicPr>
+            <a:picLocks noChangeAspect="1"/>
+          </p:cNvPicPr>
+          <p:nvPr/>
+        </p:nvPicPr>
+        <p:blipFill>
+          <a:blip r:embed="rId2"/>
+          <a:stretch>
+            <a:fillRect/>
+          </a:stretch>
+        </p:blipFill>
+        <p:spPr>
+          <a:xfrm>
+            <a:off x="337397" y="1183852"/>
+            <a:ext cx="10767754" cy="3356615"/>
+          </a:xfrm>
+          <a:prstGeom prst="rect">
+            <a:avLst/>
+          </a:prstGeom>
+        </p:spPr>
+      </p:pic>
+      <p:sp>
+        <p:nvSpPr>
+          <p:cNvPr id="5" name="Rectangle 4">
+            <a:extLst>
+              <a:ext uri="{FF2B5EF4-FFF2-40B4-BE49-F238E27FC236}">
+                <a16:creationId xmlns:a16="http://schemas.microsoft.com/office/drawing/2014/main" id="{630BE2F9-053A-05D8-2A9A-7AF22EED0A18}"/>
+              </a:ext>
+            </a:extLst>
+          </p:cNvPr>
+          <p:cNvSpPr/>
+          <p:nvPr/>
+        </p:nvSpPr>
+        <p:spPr>
+          <a:xfrm>
+            <a:off x="337398" y="1045256"/>
+            <a:ext cx="11749500" cy="541807"/>
+          </a:xfrm>
+          <a:prstGeom prst="rect">
+            <a:avLst/>
+          </a:prstGeom>
+          <a:noFill/>
+          <a:ln w="12700">
+            <a:solidFill>
+              <a:schemeClr val="bg1">
+                <a:lumMod val="50000"/>
+              </a:schemeClr>
+            </a:solidFill>
+            <a:prstDash val="sysDash"/>
+          </a:ln>
+        </p:spPr>
+        <p:style>
+          <a:lnRef idx="2">
+            <a:schemeClr val="accent1">
+              <a:shade val="15000"/>
+            </a:schemeClr>
+          </a:lnRef>
+          <a:fillRef idx="1">
+            <a:schemeClr val="accent1"/>
+          </a:fillRef>
+          <a:effectRef idx="0">
+            <a:schemeClr val="accent1"/>
+          </a:effectRef>
+          <a:fontRef idx="minor">
+            <a:schemeClr val="lt1"/>
+          </a:fontRef>
+        </p:style>
+        <p:txBody>
+          <a:bodyPr rtlCol="0" anchor="ctr"/>
+          <a:lstStyle/>
+          <a:p>
+            <a:pPr algn="ctr"/>
+            <a:endParaRPr lang="en-US"/>
+          </a:p>
+        </p:txBody>
+      </p:sp>
+      <p:sp>
+        <p:nvSpPr>
+          <p:cNvPr id="6" name="TextBox 5">
+            <a:extLst>
+              <a:ext uri="{FF2B5EF4-FFF2-40B4-BE49-F238E27FC236}">
+                <a16:creationId xmlns:a16="http://schemas.microsoft.com/office/drawing/2014/main" id="{10915C1F-D505-E8EE-09D3-65700A2F5AC4}"/>
+              </a:ext>
+            </a:extLst>
+          </p:cNvPr>
+          <p:cNvSpPr txBox="1"/>
+          <p:nvPr/>
+        </p:nvSpPr>
+        <p:spPr>
+          <a:xfrm>
+            <a:off x="9513402" y="1183852"/>
+            <a:ext cx="2519877" cy="246221"/>
+          </a:xfrm>
+          <a:prstGeom prst="rect">
+            <a:avLst/>
+          </a:prstGeom>
+          <a:noFill/>
+        </p:spPr>
+        <p:txBody>
+          <a:bodyPr wrap="square">
+            <a:spAutoFit/>
+          </a:bodyPr>
+          <a:lstStyle/>
+          <a:p>
+            <a:r>
+              <a:rPr lang="en-US" sz="1000" b="1" dirty="0">
+                <a:solidFill>
+                  <a:srgbClr val="FF0000"/>
+                </a:solidFill>
+                <a:cs typeface="Arial" panose="020B0604020202020204" pitchFamily="34" charset="0"/>
+              </a:rPr>
+              <a:t>Via Bedrock Agent API Action Group Tool</a:t>
+            </a:r>
+            <a:endParaRPr lang="en-US" sz="1000" b="1" dirty="0">
+              <a:solidFill>
+                <a:srgbClr val="FF0000"/>
+              </a:solidFill>
+            </a:endParaRPr>
+          </a:p>
+        </p:txBody>
+      </p:sp>
+      <p:sp>
+        <p:nvSpPr>
+          <p:cNvPr id="7" name="Rectangle 6">
+            <a:extLst>
+              <a:ext uri="{FF2B5EF4-FFF2-40B4-BE49-F238E27FC236}">
+                <a16:creationId xmlns:a16="http://schemas.microsoft.com/office/drawing/2014/main" id="{1A84B1F9-8C66-FB46-B7BD-2DE8D5FFA2F8}"/>
+              </a:ext>
+            </a:extLst>
+          </p:cNvPr>
+          <p:cNvSpPr/>
+          <p:nvPr/>
+        </p:nvSpPr>
+        <p:spPr>
+          <a:xfrm>
+            <a:off x="337397" y="1622521"/>
+            <a:ext cx="11749500" cy="2728762"/>
+          </a:xfrm>
+          <a:prstGeom prst="rect">
+            <a:avLst/>
+          </a:prstGeom>
+          <a:noFill/>
+          <a:ln w="12700">
+            <a:solidFill>
+              <a:schemeClr val="bg1">
+                <a:lumMod val="50000"/>
+              </a:schemeClr>
+            </a:solidFill>
+            <a:prstDash val="sysDash"/>
+          </a:ln>
+        </p:spPr>
+        <p:style>
+          <a:lnRef idx="2">
+            <a:schemeClr val="accent1">
+              <a:shade val="15000"/>
+            </a:schemeClr>
+          </a:lnRef>
+          <a:fillRef idx="1">
+            <a:schemeClr val="accent1"/>
+          </a:fillRef>
+          <a:effectRef idx="0">
+            <a:schemeClr val="accent1"/>
+          </a:effectRef>
+          <a:fontRef idx="minor">
+            <a:schemeClr val="lt1"/>
+          </a:fontRef>
+        </p:style>
+        <p:txBody>
+          <a:bodyPr rtlCol="0" anchor="ctr"/>
+          <a:lstStyle/>
+          <a:p>
+            <a:pPr algn="ctr"/>
+            <a:endParaRPr lang="en-US"/>
+          </a:p>
+        </p:txBody>
+      </p:sp>
+      <p:sp>
+        <p:nvSpPr>
+          <p:cNvPr id="8" name="TextBox 7">
+            <a:extLst>
+              <a:ext uri="{FF2B5EF4-FFF2-40B4-BE49-F238E27FC236}">
+                <a16:creationId xmlns:a16="http://schemas.microsoft.com/office/drawing/2014/main" id="{D3DA076B-0159-2AB9-1FAA-DE7377EAAEE1}"/>
+              </a:ext>
+            </a:extLst>
+          </p:cNvPr>
+          <p:cNvSpPr txBox="1"/>
+          <p:nvPr/>
+        </p:nvSpPr>
+        <p:spPr>
+          <a:xfrm>
+            <a:off x="9354681" y="4076544"/>
+            <a:ext cx="2519877" cy="246221"/>
+          </a:xfrm>
+          <a:prstGeom prst="rect">
+            <a:avLst/>
+          </a:prstGeom>
+          <a:noFill/>
+        </p:spPr>
+        <p:txBody>
+          <a:bodyPr wrap="square">
+            <a:spAutoFit/>
+          </a:bodyPr>
+          <a:lstStyle/>
+          <a:p>
+            <a:r>
+              <a:rPr lang="en-US" sz="1000" b="1" dirty="0">
+                <a:solidFill>
+                  <a:srgbClr val="FF0000"/>
+                </a:solidFill>
+                <a:cs typeface="Arial" panose="020B0604020202020204" pitchFamily="34" charset="0"/>
+              </a:rPr>
+              <a:t>Via Bedrock Agent Knowledge Base Tool</a:t>
+            </a:r>
+            <a:endParaRPr lang="en-US" sz="1000" b="1" dirty="0">
+              <a:solidFill>
+                <a:srgbClr val="FF0000"/>
+              </a:solidFill>
+            </a:endParaRPr>
+          </a:p>
+        </p:txBody>
+      </p:sp>
+    </p:spTree>
+    <p:extLst>
+      <p:ext uri="{BB962C8B-B14F-4D97-AF65-F5344CB8AC3E}">
+        <p14:creationId xmlns:p14="http://schemas.microsoft.com/office/powerpoint/2010/main" val="1769073389"/>
+      </p:ext>
+    </p:extLst>
+  </p:cSld>
+  <p:clrMapOvr>
+    <a:masterClrMapping/>
+  </p:clrMapOvr>
+</p:sld>
+</file>
+
 <file path=ppt/theme/theme1.xml><?xml version="1.0" encoding="utf-8"?>
 <a:theme xmlns:a="http://schemas.openxmlformats.org/drawingml/2006/main" name="Office Theme">
   <a:themeElements>
